--- a/docs/diagrams/ContrastCommandDiagram.pptx
+++ b/docs/diagrams/ContrastCommandDiagram.pptx
@@ -259,7 +259,7 @@
           <a:p>
             <a:fld id="{A995DD06-FA5B-3C4A-9EC2-FFA80E37B40D}" type="datetimeFigureOut">
               <a:rPr lang="en-US" smtClean="0"/>
-              <a:t>3/19/19</a:t>
+              <a:t>3/30/19</a:t>
             </a:fld>
             <a:endParaRPr lang="en-US"/>
           </a:p>
@@ -457,7 +457,7 @@
           <a:p>
             <a:fld id="{A995DD06-FA5B-3C4A-9EC2-FFA80E37B40D}" type="datetimeFigureOut">
               <a:rPr lang="en-US" smtClean="0"/>
-              <a:t>3/19/19</a:t>
+              <a:t>3/30/19</a:t>
             </a:fld>
             <a:endParaRPr lang="en-US"/>
           </a:p>
@@ -665,7 +665,7 @@
           <a:p>
             <a:fld id="{A995DD06-FA5B-3C4A-9EC2-FFA80E37B40D}" type="datetimeFigureOut">
               <a:rPr lang="en-US" smtClean="0"/>
-              <a:t>3/19/19</a:t>
+              <a:t>3/30/19</a:t>
             </a:fld>
             <a:endParaRPr lang="en-US"/>
           </a:p>
@@ -863,7 +863,7 @@
           <a:p>
             <a:fld id="{A995DD06-FA5B-3C4A-9EC2-FFA80E37B40D}" type="datetimeFigureOut">
               <a:rPr lang="en-US" smtClean="0"/>
-              <a:t>3/19/19</a:t>
+              <a:t>3/30/19</a:t>
             </a:fld>
             <a:endParaRPr lang="en-US"/>
           </a:p>
@@ -1138,7 +1138,7 @@
           <a:p>
             <a:fld id="{A995DD06-FA5B-3C4A-9EC2-FFA80E37B40D}" type="datetimeFigureOut">
               <a:rPr lang="en-US" smtClean="0"/>
-              <a:t>3/19/19</a:t>
+              <a:t>3/30/19</a:t>
             </a:fld>
             <a:endParaRPr lang="en-US"/>
           </a:p>
@@ -1403,7 +1403,7 @@
           <a:p>
             <a:fld id="{A995DD06-FA5B-3C4A-9EC2-FFA80E37B40D}" type="datetimeFigureOut">
               <a:rPr lang="en-US" smtClean="0"/>
-              <a:t>3/19/19</a:t>
+              <a:t>3/30/19</a:t>
             </a:fld>
             <a:endParaRPr lang="en-US"/>
           </a:p>
@@ -1815,7 +1815,7 @@
           <a:p>
             <a:fld id="{A995DD06-FA5B-3C4A-9EC2-FFA80E37B40D}" type="datetimeFigureOut">
               <a:rPr lang="en-US" smtClean="0"/>
-              <a:t>3/19/19</a:t>
+              <a:t>3/30/19</a:t>
             </a:fld>
             <a:endParaRPr lang="en-US"/>
           </a:p>
@@ -1956,7 +1956,7 @@
           <a:p>
             <a:fld id="{A995DD06-FA5B-3C4A-9EC2-FFA80E37B40D}" type="datetimeFigureOut">
               <a:rPr lang="en-US" smtClean="0"/>
-              <a:t>3/19/19</a:t>
+              <a:t>3/30/19</a:t>
             </a:fld>
             <a:endParaRPr lang="en-US"/>
           </a:p>
@@ -2069,7 +2069,7 @@
           <a:p>
             <a:fld id="{A995DD06-FA5B-3C4A-9EC2-FFA80E37B40D}" type="datetimeFigureOut">
               <a:rPr lang="en-US" smtClean="0"/>
-              <a:t>3/19/19</a:t>
+              <a:t>3/30/19</a:t>
             </a:fld>
             <a:endParaRPr lang="en-US"/>
           </a:p>
@@ -2380,7 +2380,7 @@
           <a:p>
             <a:fld id="{A995DD06-FA5B-3C4A-9EC2-FFA80E37B40D}" type="datetimeFigureOut">
               <a:rPr lang="en-US" smtClean="0"/>
-              <a:t>3/19/19</a:t>
+              <a:t>3/30/19</a:t>
             </a:fld>
             <a:endParaRPr lang="en-US"/>
           </a:p>
@@ -2668,7 +2668,7 @@
           <a:p>
             <a:fld id="{A995DD06-FA5B-3C4A-9EC2-FFA80E37B40D}" type="datetimeFigureOut">
               <a:rPr lang="en-US" smtClean="0"/>
-              <a:t>3/19/19</a:t>
+              <a:t>3/30/19</a:t>
             </a:fld>
             <a:endParaRPr lang="en-US"/>
           </a:p>
@@ -2909,7 +2909,7 @@
           <a:p>
             <a:fld id="{A995DD06-FA5B-3C4A-9EC2-FFA80E37B40D}" type="datetimeFigureOut">
               <a:rPr lang="en-US" smtClean="0"/>
-              <a:t>3/19/19</a:t>
+              <a:t>3/30/19</a:t>
             </a:fld>
             <a:endParaRPr lang="en-US"/>
           </a:p>
@@ -3372,12 +3372,12 @@
           <a:lstStyle/>
           <a:p>
             <a:r>
-              <a:rPr lang="en-US" sz="1200" b="1" dirty="0">
+              <a:rPr lang="en-US" sz="1200" b="1" dirty="0" err="1">
                 <a:solidFill>
                   <a:srgbClr val="7030A0"/>
                 </a:solidFill>
               </a:rPr>
-              <a:t>Model</a:t>
+              <a:t>CurrentEdit</a:t>
             </a:r>
             <a:endParaRPr lang="en-SG" sz="1200" b="1" dirty="0">
               <a:solidFill>
@@ -3990,7 +3990,7 @@
         </p:nvSpPr>
         <p:spPr>
           <a:xfrm>
-            <a:off x="4189531" y="2933747"/>
+            <a:off x="3903037" y="2659733"/>
             <a:ext cx="855809" cy="215444"/>
           </a:xfrm>
           <a:prstGeom prst="rect">
@@ -4150,8 +4150,8 @@
         </p:nvSpPr>
         <p:spPr>
           <a:xfrm>
-            <a:off x="6472597" y="3180990"/>
-            <a:ext cx="151794" cy="2178489"/>
+            <a:off x="6472597" y="2851735"/>
+            <a:ext cx="159081" cy="2507745"/>
           </a:xfrm>
           <a:prstGeom prst="rect">
             <a:avLst/>
@@ -4197,7 +4197,7 @@
         </p:nvSpPr>
         <p:spPr>
           <a:xfrm>
-            <a:off x="6569462" y="3242823"/>
+            <a:off x="6359419" y="2769650"/>
             <a:ext cx="1423782" cy="184666"/>
           </a:xfrm>
           <a:prstGeom prst="rect">
@@ -4230,7 +4230,7 @@
                   </a:schemeClr>
                 </a:solidFill>
               </a:rPr>
-              <a:t>applyContrast</a:t>
+              <a:t>getTempImage</a:t>
             </a:r>
             <a:r>
               <a:rPr lang="en-US" sz="1200" dirty="0">
@@ -4477,8 +4477,8 @@
         </p:nvSpPr>
         <p:spPr>
           <a:xfrm>
-            <a:off x="7651709" y="2811876"/>
-            <a:ext cx="841636" cy="300180"/>
+            <a:off x="7474264" y="2116759"/>
+            <a:ext cx="1388493" cy="394056"/>
           </a:xfrm>
           <a:prstGeom prst="rect">
             <a:avLst/>
@@ -4518,7 +4518,15 @@
                   <a:schemeClr val="bg1"/>
                 </a:solidFill>
               </a:rPr>
-              <a:t>: Model</a:t>
+              <a:t>: </a:t>
+            </a:r>
+            <a:r>
+              <a:rPr lang="en-US" sz="1600" dirty="0" err="1">
+                <a:solidFill>
+                  <a:schemeClr val="bg1"/>
+                </a:solidFill>
+              </a:rPr>
+              <a:t>CurrentEdit</a:t>
             </a:r>
             <a:endParaRPr lang="en-SG" sz="1600" dirty="0">
               <a:solidFill>
@@ -4537,9 +4545,9 @@
           <p:nvPr/>
         </p:nvCxnSpPr>
         <p:spPr>
-          <a:xfrm flipH="1">
-            <a:off x="8073003" y="3102982"/>
-            <a:ext cx="19393" cy="2375894"/>
+          <a:xfrm>
+            <a:off x="8053774" y="2510815"/>
+            <a:ext cx="19230" cy="2968061"/>
           </a:xfrm>
           <a:prstGeom prst="line">
             <a:avLst/>
@@ -4575,8 +4583,8 @@
         </p:nvSpPr>
         <p:spPr>
           <a:xfrm>
-            <a:off x="7989472" y="3407783"/>
-            <a:ext cx="152505" cy="375718"/>
+            <a:off x="7981081" y="2959047"/>
+            <a:ext cx="209110" cy="253481"/>
           </a:xfrm>
           <a:prstGeom prst="rect">
             <a:avLst/>
@@ -4624,7 +4632,7 @@
         </p:nvCxnSpPr>
         <p:spPr>
           <a:xfrm>
-            <a:off x="6631865" y="3425020"/>
+            <a:off x="6656872" y="2964804"/>
             <a:ext cx="1357607" cy="0"/>
           </a:xfrm>
           <a:prstGeom prst="straightConnector1">
@@ -4775,7 +4783,7 @@
         </p:nvCxnSpPr>
         <p:spPr>
           <a:xfrm>
-            <a:off x="2637460" y="3180991"/>
+            <a:off x="2659636" y="2869833"/>
             <a:ext cx="3832164" cy="1"/>
           </a:xfrm>
           <a:prstGeom prst="straightConnector1">
@@ -4905,13 +4913,14 @@
           <p:cNvCxnSpPr>
             <a:cxnSpLocks/>
             <a:stCxn id="84" idx="0"/>
+            <a:endCxn id="85" idx="0"/>
           </p:cNvCxnSpPr>
           <p:nvPr/>
         </p:nvCxnSpPr>
         <p:spPr>
           <a:xfrm>
             <a:off x="9639861" y="3272520"/>
-            <a:ext cx="47669" cy="2248427"/>
+            <a:ext cx="23751" cy="2229776"/>
           </a:xfrm>
           <a:prstGeom prst="line">
             <a:avLst/>
@@ -4950,14 +4959,13 @@
           </p:cNvPr>
           <p:cNvCxnSpPr>
             <a:cxnSpLocks/>
-            <a:endCxn id="49" idx="2"/>
           </p:cNvCxnSpPr>
           <p:nvPr/>
         </p:nvCxnSpPr>
         <p:spPr>
-          <a:xfrm>
-            <a:off x="6631864" y="3783501"/>
-            <a:ext cx="1433860" cy="0"/>
+          <a:xfrm flipV="1">
+            <a:off x="6645296" y="3213901"/>
+            <a:ext cx="1440340" cy="6887"/>
           </a:xfrm>
           <a:prstGeom prst="straightConnector1">
             <a:avLst/>
@@ -5080,7 +5088,7 @@
         </p:nvCxnSpPr>
         <p:spPr>
           <a:xfrm>
-            <a:off x="6677393" y="4324180"/>
+            <a:off x="6620608" y="4954185"/>
             <a:ext cx="1357607" cy="0"/>
           </a:xfrm>
           <a:prstGeom prst="straightConnector1">
@@ -5122,7 +5130,7 @@
         </p:nvSpPr>
         <p:spPr>
           <a:xfrm>
-            <a:off x="6643170" y="4099880"/>
+            <a:off x="6622912" y="4739211"/>
             <a:ext cx="1346355" cy="184666"/>
           </a:xfrm>
           <a:prstGeom prst="rect">
@@ -5156,7 +5164,7 @@
                   </a:schemeClr>
                 </a:solidFill>
               </a:rPr>
-              <a:t>displayImage</a:t>
+              <a:t>displayTempImage</a:t>
             </a:r>
             <a:r>
               <a:rPr lang="en-US" sz="1200" dirty="0">
@@ -5186,7 +5194,7 @@
         </p:nvCxnSpPr>
         <p:spPr>
           <a:xfrm>
-            <a:off x="6610274" y="4727209"/>
+            <a:off x="6632807" y="5184516"/>
             <a:ext cx="1433860" cy="0"/>
           </a:xfrm>
           <a:prstGeom prst="straightConnector1">
@@ -5218,59 +5226,6 @@
       </p:cxnSp>
       <p:sp>
         <p:nvSpPr>
-          <p:cNvPr id="57" name="Rectangle 56">
-            <a:extLst>
-              <a:ext uri="{FF2B5EF4-FFF2-40B4-BE49-F238E27FC236}">
-                <a16:creationId xmlns:a16="http://schemas.microsoft.com/office/drawing/2014/main" id="{9D3EC44C-C905-B546-9679-D2E738069D37}"/>
-              </a:ext>
-            </a:extLst>
-          </p:cNvPr>
-          <p:cNvSpPr/>
-          <p:nvPr/>
-        </p:nvSpPr>
-        <p:spPr>
-          <a:xfrm>
-            <a:off x="8020988" y="4316230"/>
-            <a:ext cx="152505" cy="375718"/>
-          </a:xfrm>
-          <a:prstGeom prst="rect">
-            <a:avLst/>
-          </a:prstGeom>
-          <a:solidFill>
-            <a:srgbClr val="7030A0"/>
-          </a:solidFill>
-          <a:ln>
-            <a:solidFill>
-              <a:srgbClr val="7030A0"/>
-            </a:solidFill>
-          </a:ln>
-          <a:effectLst/>
-        </p:spPr>
-        <p:style>
-          <a:lnRef idx="1">
-            <a:schemeClr val="accent3"/>
-          </a:lnRef>
-          <a:fillRef idx="2">
-            <a:schemeClr val="accent3"/>
-          </a:fillRef>
-          <a:effectRef idx="1">
-            <a:schemeClr val="accent3"/>
-          </a:effectRef>
-          <a:fontRef idx="minor">
-            <a:schemeClr val="dk1"/>
-          </a:fontRef>
-        </p:style>
-        <p:txBody>
-          <a:bodyPr rtlCol="0" anchor="ctr"/>
-          <a:lstStyle/>
-          <a:p>
-            <a:pPr algn="ctr"/>
-            <a:endParaRPr lang="en-SG" sz="1400"/>
-          </a:p>
-        </p:txBody>
-      </p:sp>
-      <p:sp>
-        <p:nvSpPr>
           <p:cNvPr id="58" name="TextBox 57">
             <a:extLst>
               <a:ext uri="{FF2B5EF4-FFF2-40B4-BE49-F238E27FC236}">
@@ -5283,7 +5238,7 @@
         </p:nvSpPr>
         <p:spPr>
           <a:xfrm>
-            <a:off x="8291985" y="3621121"/>
+            <a:off x="8244175" y="4210587"/>
             <a:ext cx="1243907" cy="738664"/>
           </a:xfrm>
           <a:prstGeom prst="rect">
@@ -5364,7 +5319,7 @@
         </p:nvCxnSpPr>
         <p:spPr>
           <a:xfrm>
-            <a:off x="8209631" y="4425343"/>
+            <a:off x="8150922" y="4975293"/>
             <a:ext cx="1470216" cy="0"/>
           </a:xfrm>
           <a:prstGeom prst="straightConnector1">
@@ -5408,7 +5363,7 @@
         </p:nvCxnSpPr>
         <p:spPr>
           <a:xfrm flipV="1">
-            <a:off x="8209631" y="4598849"/>
+            <a:off x="8127649" y="5129815"/>
             <a:ext cx="1470216" cy="6325"/>
           </a:xfrm>
           <a:prstGeom prst="straightConnector1">
@@ -5438,6 +5393,608 @@
           </a:fontRef>
         </p:style>
       </p:cxnSp>
+      <p:cxnSp>
+        <p:nvCxnSpPr>
+          <p:cNvPr id="47" name="Straight Arrow Connector 46">
+            <a:extLst>
+              <a:ext uri="{FF2B5EF4-FFF2-40B4-BE49-F238E27FC236}">
+                <a16:creationId xmlns:a16="http://schemas.microsoft.com/office/drawing/2014/main" id="{7AC9CC21-75F3-2D47-B2EB-28FA44CEEEA2}"/>
+              </a:ext>
+            </a:extLst>
+          </p:cNvPr>
+          <p:cNvCxnSpPr>
+            <a:cxnSpLocks/>
+          </p:cNvCxnSpPr>
+          <p:nvPr/>
+        </p:nvCxnSpPr>
+        <p:spPr>
+          <a:xfrm>
+            <a:off x="6670934" y="3505644"/>
+            <a:ext cx="1357607" cy="0"/>
+          </a:xfrm>
+          <a:prstGeom prst="straightConnector1">
+            <a:avLst/>
+          </a:prstGeom>
+          <a:ln w="19050">
+            <a:solidFill>
+              <a:srgbClr val="0070C0"/>
+            </a:solidFill>
+            <a:tailEnd type="arrow"/>
+          </a:ln>
+        </p:spPr>
+        <p:style>
+          <a:lnRef idx="1">
+            <a:schemeClr val="accent1"/>
+          </a:lnRef>
+          <a:fillRef idx="0">
+            <a:schemeClr val="accent1"/>
+          </a:fillRef>
+          <a:effectRef idx="0">
+            <a:schemeClr val="accent1"/>
+          </a:effectRef>
+          <a:fontRef idx="minor">
+            <a:schemeClr val="tx1"/>
+          </a:fontRef>
+        </p:style>
+      </p:cxnSp>
+      <p:sp>
+        <p:nvSpPr>
+          <p:cNvPr id="48" name="TextBox 47">
+            <a:extLst>
+              <a:ext uri="{FF2B5EF4-FFF2-40B4-BE49-F238E27FC236}">
+                <a16:creationId xmlns:a16="http://schemas.microsoft.com/office/drawing/2014/main" id="{D32598CF-6CFF-FD43-A798-54B64DD73AF8}"/>
+              </a:ext>
+            </a:extLst>
+          </p:cNvPr>
+          <p:cNvSpPr txBox="1"/>
+          <p:nvPr/>
+        </p:nvSpPr>
+        <p:spPr>
+          <a:xfrm>
+            <a:off x="6693761" y="3277992"/>
+            <a:ext cx="1346355" cy="184666"/>
+          </a:xfrm>
+          <a:prstGeom prst="rect">
+            <a:avLst/>
+          </a:prstGeom>
+          <a:noFill/>
+        </p:spPr>
+        <p:txBody>
+          <a:bodyPr wrap="square" lIns="0" tIns="0" rIns="0" bIns="0" rtlCol="0">
+            <a:spAutoFit/>
+          </a:bodyPr>
+          <a:lstStyle>
+            <a:defPPr>
+              <a:defRPr lang="en-US"/>
+            </a:defPPr>
+            <a:lvl1pPr algn="r">
+              <a:defRPr sz="1400">
+                <a:solidFill>
+                  <a:srgbClr val="0070C0"/>
+                </a:solidFill>
+              </a:defRPr>
+            </a:lvl1pPr>
+          </a:lstStyle>
+          <a:p>
+            <a:pPr algn="ctr"/>
+            <a:r>
+              <a:rPr lang="en-US" sz="1200" dirty="0" err="1">
+                <a:solidFill>
+                  <a:schemeClr val="accent4">
+                    <a:lumMod val="75000"/>
+                  </a:schemeClr>
+                </a:solidFill>
+              </a:rPr>
+              <a:t>updateTempImage</a:t>
+            </a:r>
+            <a:r>
+              <a:rPr lang="en-US" sz="1200" dirty="0">
+                <a:solidFill>
+                  <a:srgbClr val="7030A0"/>
+                </a:solidFill>
+              </a:rPr>
+              <a:t>()</a:t>
+            </a:r>
+            <a:endParaRPr lang="en-US" sz="1200" dirty="0"/>
+          </a:p>
+        </p:txBody>
+      </p:sp>
+      <p:cxnSp>
+        <p:nvCxnSpPr>
+          <p:cNvPr id="52" name="Straight Arrow Connector 51">
+            <a:extLst>
+              <a:ext uri="{FF2B5EF4-FFF2-40B4-BE49-F238E27FC236}">
+                <a16:creationId xmlns:a16="http://schemas.microsoft.com/office/drawing/2014/main" id="{B591E726-FEE7-654A-851E-62D17D04B8D8}"/>
+              </a:ext>
+            </a:extLst>
+          </p:cNvPr>
+          <p:cNvCxnSpPr>
+            <a:cxnSpLocks/>
+          </p:cNvCxnSpPr>
+          <p:nvPr/>
+        </p:nvCxnSpPr>
+        <p:spPr>
+          <a:xfrm>
+            <a:off x="6656872" y="3746447"/>
+            <a:ext cx="1433860" cy="0"/>
+          </a:xfrm>
+          <a:prstGeom prst="straightConnector1">
+            <a:avLst/>
+          </a:prstGeom>
+          <a:ln w="19050">
+            <a:solidFill>
+              <a:srgbClr val="7030A0"/>
+            </a:solidFill>
+            <a:prstDash val="sysDash"/>
+            <a:headEnd type="arrow" w="med" len="med"/>
+            <a:tailEnd type="none" w="med" len="med"/>
+          </a:ln>
+        </p:spPr>
+        <p:style>
+          <a:lnRef idx="1">
+            <a:schemeClr val="accent1"/>
+          </a:lnRef>
+          <a:fillRef idx="0">
+            <a:schemeClr val="accent1"/>
+          </a:fillRef>
+          <a:effectRef idx="0">
+            <a:schemeClr val="accent1"/>
+          </a:effectRef>
+          <a:fontRef idx="minor">
+            <a:schemeClr val="tx1"/>
+          </a:fontRef>
+        </p:style>
+      </p:cxnSp>
+      <p:sp>
+        <p:nvSpPr>
+          <p:cNvPr id="60" name="Rectangle 59">
+            <a:extLst>
+              <a:ext uri="{FF2B5EF4-FFF2-40B4-BE49-F238E27FC236}">
+                <a16:creationId xmlns:a16="http://schemas.microsoft.com/office/drawing/2014/main" id="{1F3A03C7-32DF-E647-AA75-A225960CF999}"/>
+              </a:ext>
+            </a:extLst>
+          </p:cNvPr>
+          <p:cNvSpPr/>
+          <p:nvPr/>
+        </p:nvSpPr>
+        <p:spPr>
+          <a:xfrm>
+            <a:off x="7957969" y="3492966"/>
+            <a:ext cx="209110" cy="253481"/>
+          </a:xfrm>
+          <a:prstGeom prst="rect">
+            <a:avLst/>
+          </a:prstGeom>
+          <a:solidFill>
+            <a:srgbClr val="7030A0"/>
+          </a:solidFill>
+          <a:ln>
+            <a:solidFill>
+              <a:srgbClr val="7030A0"/>
+            </a:solidFill>
+          </a:ln>
+          <a:effectLst/>
+        </p:spPr>
+        <p:style>
+          <a:lnRef idx="1">
+            <a:schemeClr val="accent3"/>
+          </a:lnRef>
+          <a:fillRef idx="2">
+            <a:schemeClr val="accent3"/>
+          </a:fillRef>
+          <a:effectRef idx="1">
+            <a:schemeClr val="accent3"/>
+          </a:effectRef>
+          <a:fontRef idx="minor">
+            <a:schemeClr val="dk1"/>
+          </a:fontRef>
+        </p:style>
+        <p:txBody>
+          <a:bodyPr rtlCol="0" anchor="ctr"/>
+          <a:lstStyle/>
+          <a:p>
+            <a:pPr algn="ctr"/>
+            <a:endParaRPr lang="en-SG" sz="1400"/>
+          </a:p>
+        </p:txBody>
+      </p:sp>
+      <p:sp>
+        <p:nvSpPr>
+          <p:cNvPr id="62" name="Rectangle 61">
+            <a:extLst>
+              <a:ext uri="{FF2B5EF4-FFF2-40B4-BE49-F238E27FC236}">
+                <a16:creationId xmlns:a16="http://schemas.microsoft.com/office/drawing/2014/main" id="{4F191621-27E3-BC40-86E6-3D250AC29A79}"/>
+              </a:ext>
+            </a:extLst>
+          </p:cNvPr>
+          <p:cNvSpPr/>
+          <p:nvPr/>
+        </p:nvSpPr>
+        <p:spPr>
+          <a:xfrm>
+            <a:off x="7964962" y="4942610"/>
+            <a:ext cx="209110" cy="253481"/>
+          </a:xfrm>
+          <a:prstGeom prst="rect">
+            <a:avLst/>
+          </a:prstGeom>
+          <a:solidFill>
+            <a:srgbClr val="7030A0"/>
+          </a:solidFill>
+          <a:ln>
+            <a:solidFill>
+              <a:srgbClr val="7030A0"/>
+            </a:solidFill>
+          </a:ln>
+          <a:effectLst/>
+        </p:spPr>
+        <p:style>
+          <a:lnRef idx="1">
+            <a:schemeClr val="accent3"/>
+          </a:lnRef>
+          <a:fillRef idx="2">
+            <a:schemeClr val="accent3"/>
+          </a:fillRef>
+          <a:effectRef idx="1">
+            <a:schemeClr val="accent3"/>
+          </a:effectRef>
+          <a:fontRef idx="minor">
+            <a:schemeClr val="dk1"/>
+          </a:fontRef>
+        </p:style>
+        <p:txBody>
+          <a:bodyPr rtlCol="0" anchor="ctr"/>
+          <a:lstStyle/>
+          <a:p>
+            <a:pPr algn="ctr"/>
+            <a:endParaRPr lang="en-SG" sz="1400"/>
+          </a:p>
+        </p:txBody>
+      </p:sp>
+      <p:sp>
+        <p:nvSpPr>
+          <p:cNvPr id="64" name="Rectangle 63">
+            <a:extLst>
+              <a:ext uri="{FF2B5EF4-FFF2-40B4-BE49-F238E27FC236}">
+                <a16:creationId xmlns:a16="http://schemas.microsoft.com/office/drawing/2014/main" id="{5436986F-22CB-3846-8104-866855359CF3}"/>
+              </a:ext>
+            </a:extLst>
+          </p:cNvPr>
+          <p:cNvSpPr/>
+          <p:nvPr/>
+        </p:nvSpPr>
+        <p:spPr>
+          <a:xfrm>
+            <a:off x="7972372" y="4397874"/>
+            <a:ext cx="209110" cy="253481"/>
+          </a:xfrm>
+          <a:prstGeom prst="rect">
+            <a:avLst/>
+          </a:prstGeom>
+          <a:solidFill>
+            <a:srgbClr val="7030A0"/>
+          </a:solidFill>
+          <a:ln>
+            <a:solidFill>
+              <a:srgbClr val="7030A0"/>
+            </a:solidFill>
+          </a:ln>
+          <a:effectLst/>
+        </p:spPr>
+        <p:style>
+          <a:lnRef idx="1">
+            <a:schemeClr val="accent3"/>
+          </a:lnRef>
+          <a:fillRef idx="2">
+            <a:schemeClr val="accent3"/>
+          </a:fillRef>
+          <a:effectRef idx="1">
+            <a:schemeClr val="accent3"/>
+          </a:effectRef>
+          <a:fontRef idx="minor">
+            <a:schemeClr val="dk1"/>
+          </a:fontRef>
+        </p:style>
+        <p:txBody>
+          <a:bodyPr rtlCol="0" anchor="ctr"/>
+          <a:lstStyle/>
+          <a:p>
+            <a:pPr algn="ctr"/>
+            <a:endParaRPr lang="en-SG" sz="1400"/>
+          </a:p>
+        </p:txBody>
+      </p:sp>
+      <p:sp>
+        <p:nvSpPr>
+          <p:cNvPr id="68" name="TextBox 67">
+            <a:extLst>
+              <a:ext uri="{FF2B5EF4-FFF2-40B4-BE49-F238E27FC236}">
+                <a16:creationId xmlns:a16="http://schemas.microsoft.com/office/drawing/2014/main" id="{3510424C-589E-3741-8D5C-9B2DD8AAA3F6}"/>
+              </a:ext>
+            </a:extLst>
+          </p:cNvPr>
+          <p:cNvSpPr txBox="1"/>
+          <p:nvPr/>
+        </p:nvSpPr>
+        <p:spPr>
+          <a:xfrm>
+            <a:off x="6704570" y="4194475"/>
+            <a:ext cx="1346355" cy="184666"/>
+          </a:xfrm>
+          <a:prstGeom prst="rect">
+            <a:avLst/>
+          </a:prstGeom>
+          <a:noFill/>
+        </p:spPr>
+        <p:txBody>
+          <a:bodyPr wrap="square" lIns="0" tIns="0" rIns="0" bIns="0" rtlCol="0">
+            <a:spAutoFit/>
+          </a:bodyPr>
+          <a:lstStyle>
+            <a:defPPr>
+              <a:defRPr lang="en-US"/>
+            </a:defPPr>
+            <a:lvl1pPr algn="r">
+              <a:defRPr sz="1400">
+                <a:solidFill>
+                  <a:srgbClr val="0070C0"/>
+                </a:solidFill>
+              </a:defRPr>
+            </a:lvl1pPr>
+          </a:lstStyle>
+          <a:p>
+            <a:pPr algn="ctr"/>
+            <a:r>
+              <a:rPr lang="en-US" sz="1200" dirty="0" err="1">
+                <a:solidFill>
+                  <a:schemeClr val="accent4">
+                    <a:lumMod val="75000"/>
+                  </a:schemeClr>
+                </a:solidFill>
+              </a:rPr>
+              <a:t>addCommand</a:t>
+            </a:r>
+            <a:r>
+              <a:rPr lang="en-US" sz="1200" dirty="0">
+                <a:solidFill>
+                  <a:srgbClr val="7030A0"/>
+                </a:solidFill>
+              </a:rPr>
+              <a:t>()</a:t>
+            </a:r>
+            <a:endParaRPr lang="en-US" sz="1200" dirty="0"/>
+          </a:p>
+        </p:txBody>
+      </p:sp>
+      <p:cxnSp>
+        <p:nvCxnSpPr>
+          <p:cNvPr id="70" name="Straight Arrow Connector 69">
+            <a:extLst>
+              <a:ext uri="{FF2B5EF4-FFF2-40B4-BE49-F238E27FC236}">
+                <a16:creationId xmlns:a16="http://schemas.microsoft.com/office/drawing/2014/main" id="{87242339-F7ED-B947-A70A-DC2D4D538D02}"/>
+              </a:ext>
+            </a:extLst>
+          </p:cNvPr>
+          <p:cNvCxnSpPr>
+            <a:cxnSpLocks/>
+          </p:cNvCxnSpPr>
+          <p:nvPr/>
+        </p:nvCxnSpPr>
+        <p:spPr>
+          <a:xfrm>
+            <a:off x="6645296" y="4434749"/>
+            <a:ext cx="1357607" cy="0"/>
+          </a:xfrm>
+          <a:prstGeom prst="straightConnector1">
+            <a:avLst/>
+          </a:prstGeom>
+          <a:ln w="19050">
+            <a:solidFill>
+              <a:srgbClr val="0070C0"/>
+            </a:solidFill>
+            <a:tailEnd type="arrow"/>
+          </a:ln>
+        </p:spPr>
+        <p:style>
+          <a:lnRef idx="1">
+            <a:schemeClr val="accent1"/>
+          </a:lnRef>
+          <a:fillRef idx="0">
+            <a:schemeClr val="accent1"/>
+          </a:fillRef>
+          <a:effectRef idx="0">
+            <a:schemeClr val="accent1"/>
+          </a:effectRef>
+          <a:fontRef idx="minor">
+            <a:schemeClr val="tx1"/>
+          </a:fontRef>
+        </p:style>
+      </p:cxnSp>
+      <p:cxnSp>
+        <p:nvCxnSpPr>
+          <p:cNvPr id="71" name="Straight Arrow Connector 70">
+            <a:extLst>
+              <a:ext uri="{FF2B5EF4-FFF2-40B4-BE49-F238E27FC236}">
+                <a16:creationId xmlns:a16="http://schemas.microsoft.com/office/drawing/2014/main" id="{F8BA9C18-17CE-F449-A931-37C648B18D0A}"/>
+              </a:ext>
+            </a:extLst>
+          </p:cNvPr>
+          <p:cNvCxnSpPr>
+            <a:cxnSpLocks/>
+          </p:cNvCxnSpPr>
+          <p:nvPr/>
+        </p:nvCxnSpPr>
+        <p:spPr>
+          <a:xfrm>
+            <a:off x="6635411" y="4659615"/>
+            <a:ext cx="1433860" cy="0"/>
+          </a:xfrm>
+          <a:prstGeom prst="straightConnector1">
+            <a:avLst/>
+          </a:prstGeom>
+          <a:ln w="19050">
+            <a:solidFill>
+              <a:srgbClr val="7030A0"/>
+            </a:solidFill>
+            <a:prstDash val="sysDash"/>
+            <a:headEnd type="arrow" w="med" len="med"/>
+            <a:tailEnd type="none" w="med" len="med"/>
+          </a:ln>
+        </p:spPr>
+        <p:style>
+          <a:lnRef idx="1">
+            <a:schemeClr val="accent1"/>
+          </a:lnRef>
+          <a:fillRef idx="0">
+            <a:schemeClr val="accent1"/>
+          </a:fillRef>
+          <a:effectRef idx="0">
+            <a:schemeClr val="accent1"/>
+          </a:effectRef>
+          <a:fontRef idx="minor">
+            <a:schemeClr val="tx1"/>
+          </a:fontRef>
+        </p:style>
+      </p:cxnSp>
+      <p:sp>
+        <p:nvSpPr>
+          <p:cNvPr id="72" name="Rectangle 71">
+            <a:extLst>
+              <a:ext uri="{FF2B5EF4-FFF2-40B4-BE49-F238E27FC236}">
+                <a16:creationId xmlns:a16="http://schemas.microsoft.com/office/drawing/2014/main" id="{B44F42D8-C355-3041-9C02-36353B996C5A}"/>
+              </a:ext>
+            </a:extLst>
+          </p:cNvPr>
+          <p:cNvSpPr/>
+          <p:nvPr/>
+        </p:nvSpPr>
+        <p:spPr>
+          <a:xfrm>
+            <a:off x="5150613" y="3987249"/>
+            <a:ext cx="4734168" cy="1359077"/>
+          </a:xfrm>
+          <a:prstGeom prst="rect">
+            <a:avLst/>
+          </a:prstGeom>
+          <a:noFill/>
+        </p:spPr>
+        <p:style>
+          <a:lnRef idx="2">
+            <a:schemeClr val="accent1">
+              <a:shade val="50000"/>
+            </a:schemeClr>
+          </a:lnRef>
+          <a:fillRef idx="1">
+            <a:schemeClr val="accent1"/>
+          </a:fillRef>
+          <a:effectRef idx="0">
+            <a:schemeClr val="accent1"/>
+          </a:effectRef>
+          <a:fontRef idx="minor">
+            <a:schemeClr val="lt1"/>
+          </a:fontRef>
+        </p:style>
+        <p:txBody>
+          <a:bodyPr rtlCol="0" anchor="ctr"/>
+          <a:lstStyle/>
+          <a:p>
+            <a:pPr algn="ctr"/>
+            <a:endParaRPr lang="en-SG"/>
+          </a:p>
+        </p:txBody>
+      </p:sp>
+      <p:sp>
+        <p:nvSpPr>
+          <p:cNvPr id="73" name="TextBox 72">
+            <a:extLst>
+              <a:ext uri="{FF2B5EF4-FFF2-40B4-BE49-F238E27FC236}">
+                <a16:creationId xmlns:a16="http://schemas.microsoft.com/office/drawing/2014/main" id="{B92130E8-F3DB-8440-9AD8-EAF1E497545B}"/>
+              </a:ext>
+            </a:extLst>
+          </p:cNvPr>
+          <p:cNvSpPr txBox="1"/>
+          <p:nvPr/>
+        </p:nvSpPr>
+        <p:spPr>
+          <a:xfrm>
+            <a:off x="5172679" y="4004821"/>
+            <a:ext cx="418234" cy="261610"/>
+          </a:xfrm>
+          <a:prstGeom prst="rect">
+            <a:avLst/>
+          </a:prstGeom>
+          <a:noFill/>
+          <a:ln w="28575">
+            <a:solidFill>
+              <a:schemeClr val="tx2"/>
+            </a:solidFill>
+          </a:ln>
+        </p:spPr>
+        <p:txBody>
+          <a:bodyPr wrap="square" rtlCol="0">
+            <a:spAutoFit/>
+          </a:bodyPr>
+          <a:lstStyle/>
+          <a:p>
+            <a:r>
+              <a:rPr lang="en-SG" sz="1100" dirty="0"/>
+              <a:t>opt</a:t>
+            </a:r>
+            <a:endParaRPr lang="en-SG" sz="1200" dirty="0"/>
+          </a:p>
+        </p:txBody>
+      </p:sp>
+      <p:sp>
+        <p:nvSpPr>
+          <p:cNvPr id="74" name="TextBox 73">
+            <a:extLst>
+              <a:ext uri="{FF2B5EF4-FFF2-40B4-BE49-F238E27FC236}">
+                <a16:creationId xmlns:a16="http://schemas.microsoft.com/office/drawing/2014/main" id="{26539531-AA78-FF4C-B3B2-4B001F86FC31}"/>
+              </a:ext>
+            </a:extLst>
+          </p:cNvPr>
+          <p:cNvSpPr txBox="1"/>
+          <p:nvPr/>
+        </p:nvSpPr>
+        <p:spPr>
+          <a:xfrm>
+            <a:off x="5149703" y="4359329"/>
+            <a:ext cx="1365403" cy="184666"/>
+          </a:xfrm>
+          <a:prstGeom prst="rect">
+            <a:avLst/>
+          </a:prstGeom>
+          <a:noFill/>
+        </p:spPr>
+        <p:txBody>
+          <a:bodyPr wrap="square" lIns="0" tIns="0" rIns="0" bIns="0" rtlCol="0">
+            <a:spAutoFit/>
+          </a:bodyPr>
+          <a:lstStyle>
+            <a:defPPr>
+              <a:defRPr lang="en-US"/>
+            </a:defPPr>
+            <a:lvl1pPr algn="r">
+              <a:defRPr sz="1400">
+                <a:solidFill>
+                  <a:srgbClr val="0070C0"/>
+                </a:solidFill>
+              </a:defRPr>
+            </a:lvl1pPr>
+          </a:lstStyle>
+          <a:p>
+            <a:pPr algn="ctr"/>
+            <a:r>
+              <a:rPr lang="en-US" sz="1200" dirty="0">
+                <a:solidFill>
+                  <a:schemeClr val="tx1"/>
+                </a:solidFill>
+              </a:rPr>
+              <a:t>[is a new command]</a:t>
+            </a:r>
+          </a:p>
+        </p:txBody>
+      </p:sp>
     </p:spTree>
     <p:extLst>
       <p:ext uri="{BB962C8B-B14F-4D97-AF65-F5344CB8AC3E}">

--- a/docs/diagrams/ContrastCommandDiagram.pptx
+++ b/docs/diagrams/ContrastCommandDiagram.pptx
@@ -3610,7 +3610,7 @@
         <p:spPr>
           <a:xfrm>
             <a:off x="4383297" y="872698"/>
-            <a:ext cx="1219200" cy="467684"/>
+            <a:ext cx="1126252" cy="467684"/>
           </a:xfrm>
           <a:prstGeom prst="rect">
             <a:avLst/>
@@ -3650,18 +3650,15 @@
                   <a:schemeClr val="bg1"/>
                 </a:solidFill>
               </a:rPr>
-              <a:t>:Address</a:t>
-            </a:r>
-          </a:p>
-          <a:p>
-            <a:pPr algn="ctr"/>
+              <a:t>:</a:t>
+            </a:r>
             <a:r>
               <a:rPr lang="en-US" sz="1600" dirty="0" err="1">
                 <a:solidFill>
                   <a:schemeClr val="bg1"/>
                 </a:solidFill>
               </a:rPr>
-              <a:t>BookParser</a:t>
+              <a:t>FomoFotoParser</a:t>
             </a:r>
             <a:endParaRPr lang="en-SG" sz="1600" dirty="0">
               <a:solidFill>

--- a/docs/diagrams/ContrastCommandDiagram.pptx
+++ b/docs/diagrams/ContrastCommandDiagram.pptx
@@ -259,7 +259,7 @@
           <a:p>
             <a:fld id="{A995DD06-FA5B-3C4A-9EC2-FFA80E37B40D}" type="datetimeFigureOut">
               <a:rPr lang="en-US" smtClean="0"/>
-              <a:t>3/30/19</a:t>
+              <a:t>4/1/19</a:t>
             </a:fld>
             <a:endParaRPr lang="en-US"/>
           </a:p>
@@ -457,7 +457,7 @@
           <a:p>
             <a:fld id="{A995DD06-FA5B-3C4A-9EC2-FFA80E37B40D}" type="datetimeFigureOut">
               <a:rPr lang="en-US" smtClean="0"/>
-              <a:t>3/30/19</a:t>
+              <a:t>4/1/19</a:t>
             </a:fld>
             <a:endParaRPr lang="en-US"/>
           </a:p>
@@ -665,7 +665,7 @@
           <a:p>
             <a:fld id="{A995DD06-FA5B-3C4A-9EC2-FFA80E37B40D}" type="datetimeFigureOut">
               <a:rPr lang="en-US" smtClean="0"/>
-              <a:t>3/30/19</a:t>
+              <a:t>4/1/19</a:t>
             </a:fld>
             <a:endParaRPr lang="en-US"/>
           </a:p>
@@ -863,7 +863,7 @@
           <a:p>
             <a:fld id="{A995DD06-FA5B-3C4A-9EC2-FFA80E37B40D}" type="datetimeFigureOut">
               <a:rPr lang="en-US" smtClean="0"/>
-              <a:t>3/30/19</a:t>
+              <a:t>4/1/19</a:t>
             </a:fld>
             <a:endParaRPr lang="en-US"/>
           </a:p>
@@ -1138,7 +1138,7 @@
           <a:p>
             <a:fld id="{A995DD06-FA5B-3C4A-9EC2-FFA80E37B40D}" type="datetimeFigureOut">
               <a:rPr lang="en-US" smtClean="0"/>
-              <a:t>3/30/19</a:t>
+              <a:t>4/1/19</a:t>
             </a:fld>
             <a:endParaRPr lang="en-US"/>
           </a:p>
@@ -1403,7 +1403,7 @@
           <a:p>
             <a:fld id="{A995DD06-FA5B-3C4A-9EC2-FFA80E37B40D}" type="datetimeFigureOut">
               <a:rPr lang="en-US" smtClean="0"/>
-              <a:t>3/30/19</a:t>
+              <a:t>4/1/19</a:t>
             </a:fld>
             <a:endParaRPr lang="en-US"/>
           </a:p>
@@ -1815,7 +1815,7 @@
           <a:p>
             <a:fld id="{A995DD06-FA5B-3C4A-9EC2-FFA80E37B40D}" type="datetimeFigureOut">
               <a:rPr lang="en-US" smtClean="0"/>
-              <a:t>3/30/19</a:t>
+              <a:t>4/1/19</a:t>
             </a:fld>
             <a:endParaRPr lang="en-US"/>
           </a:p>
@@ -1956,7 +1956,7 @@
           <a:p>
             <a:fld id="{A995DD06-FA5B-3C4A-9EC2-FFA80E37B40D}" type="datetimeFigureOut">
               <a:rPr lang="en-US" smtClean="0"/>
-              <a:t>3/30/19</a:t>
+              <a:t>4/1/19</a:t>
             </a:fld>
             <a:endParaRPr lang="en-US"/>
           </a:p>
@@ -2069,7 +2069,7 @@
           <a:p>
             <a:fld id="{A995DD06-FA5B-3C4A-9EC2-FFA80E37B40D}" type="datetimeFigureOut">
               <a:rPr lang="en-US" smtClean="0"/>
-              <a:t>3/30/19</a:t>
+              <a:t>4/1/19</a:t>
             </a:fld>
             <a:endParaRPr lang="en-US"/>
           </a:p>
@@ -2380,7 +2380,7 @@
           <a:p>
             <a:fld id="{A995DD06-FA5B-3C4A-9EC2-FFA80E37B40D}" type="datetimeFigureOut">
               <a:rPr lang="en-US" smtClean="0"/>
-              <a:t>3/30/19</a:t>
+              <a:t>4/1/19</a:t>
             </a:fld>
             <a:endParaRPr lang="en-US"/>
           </a:p>
@@ -2668,7 +2668,7 @@
           <a:p>
             <a:fld id="{A995DD06-FA5B-3C4A-9EC2-FFA80E37B40D}" type="datetimeFigureOut">
               <a:rPr lang="en-US" smtClean="0"/>
-              <a:t>3/30/19</a:t>
+              <a:t>4/1/19</a:t>
             </a:fld>
             <a:endParaRPr lang="en-US"/>
           </a:p>
@@ -2909,7 +2909,7 @@
           <a:p>
             <a:fld id="{A995DD06-FA5B-3C4A-9EC2-FFA80E37B40D}" type="datetimeFigureOut">
               <a:rPr lang="en-US" smtClean="0"/>
-              <a:t>3/30/19</a:t>
+              <a:t>4/1/19</a:t>
             </a:fld>
             <a:endParaRPr lang="en-US"/>
           </a:p>
@@ -4909,15 +4909,13 @@
           </p:cNvPr>
           <p:cNvCxnSpPr>
             <a:cxnSpLocks/>
-            <a:stCxn id="84" idx="0"/>
-            <a:endCxn id="85" idx="0"/>
           </p:cNvCxnSpPr>
           <p:nvPr/>
         </p:nvCxnSpPr>
         <p:spPr>
           <a:xfrm>
-            <a:off x="9639861" y="3272520"/>
-            <a:ext cx="23751" cy="2229776"/>
+            <a:off x="9663612" y="3516693"/>
+            <a:ext cx="0" cy="1985603"/>
           </a:xfrm>
           <a:prstGeom prst="line">
             <a:avLst/>
@@ -4991,84 +4989,6 @@
           </a:fontRef>
         </p:style>
       </p:cxnSp>
-      <p:sp>
-        <p:nvSpPr>
-          <p:cNvPr id="78" name="TextBox 77">
-            <a:extLst>
-              <a:ext uri="{FF2B5EF4-FFF2-40B4-BE49-F238E27FC236}">
-                <a16:creationId xmlns:a16="http://schemas.microsoft.com/office/drawing/2014/main" id="{0772AC28-6CCA-D043-ABB2-97A18FBB6317}"/>
-              </a:ext>
-            </a:extLst>
-          </p:cNvPr>
-          <p:cNvSpPr txBox="1"/>
-          <p:nvPr/>
-        </p:nvSpPr>
-        <p:spPr>
-          <a:xfrm>
-            <a:off x="7933322" y="5478876"/>
-            <a:ext cx="258404" cy="261610"/>
-          </a:xfrm>
-          <a:prstGeom prst="rect">
-            <a:avLst/>
-          </a:prstGeom>
-          <a:noFill/>
-        </p:spPr>
-        <p:txBody>
-          <a:bodyPr wrap="square" rtlCol="0">
-            <a:spAutoFit/>
-          </a:bodyPr>
-          <a:lstStyle/>
-          <a:p>
-            <a:r>
-              <a:rPr lang="en-SG" sz="1100" dirty="0">
-                <a:solidFill>
-                  <a:srgbClr val="002060"/>
-                </a:solidFill>
-              </a:rPr>
-              <a:t>X</a:t>
-            </a:r>
-          </a:p>
-        </p:txBody>
-      </p:sp>
-      <p:sp>
-        <p:nvSpPr>
-          <p:cNvPr id="85" name="TextBox 84">
-            <a:extLst>
-              <a:ext uri="{FF2B5EF4-FFF2-40B4-BE49-F238E27FC236}">
-                <a16:creationId xmlns:a16="http://schemas.microsoft.com/office/drawing/2014/main" id="{A2AA5E9C-667D-CD42-8A1D-D3C2929DECFA}"/>
-              </a:ext>
-            </a:extLst>
-          </p:cNvPr>
-          <p:cNvSpPr txBox="1"/>
-          <p:nvPr/>
-        </p:nvSpPr>
-        <p:spPr>
-          <a:xfrm>
-            <a:off x="9534410" y="5502296"/>
-            <a:ext cx="258404" cy="261610"/>
-          </a:xfrm>
-          <a:prstGeom prst="rect">
-            <a:avLst/>
-          </a:prstGeom>
-          <a:noFill/>
-        </p:spPr>
-        <p:txBody>
-          <a:bodyPr wrap="square" rtlCol="0">
-            <a:spAutoFit/>
-          </a:bodyPr>
-          <a:lstStyle/>
-          <a:p>
-            <a:r>
-              <a:rPr lang="en-SG" sz="1100" dirty="0">
-                <a:solidFill>
-                  <a:srgbClr val="002060"/>
-                </a:solidFill>
-              </a:rPr>
-              <a:t>X</a:t>
-            </a:r>
-          </a:p>
-        </p:txBody>
-      </p:sp>
       <p:cxnSp>
         <p:nvCxnSpPr>
           <p:cNvPr id="51" name="Straight Arrow Connector 50">

--- a/docs/diagrams/ContrastCommandDiagram.pptx
+++ b/docs/diagrams/ContrastCommandDiagram.pptx
@@ -259,7 +259,7 @@
           <a:p>
             <a:fld id="{A995DD06-FA5B-3C4A-9EC2-FFA80E37B40D}" type="datetimeFigureOut">
               <a:rPr lang="en-US" smtClean="0"/>
-              <a:t>4/1/19</a:t>
+              <a:t>4/14/19</a:t>
             </a:fld>
             <a:endParaRPr lang="en-US"/>
           </a:p>
@@ -457,7 +457,7 @@
           <a:p>
             <a:fld id="{A995DD06-FA5B-3C4A-9EC2-FFA80E37B40D}" type="datetimeFigureOut">
               <a:rPr lang="en-US" smtClean="0"/>
-              <a:t>4/1/19</a:t>
+              <a:t>4/14/19</a:t>
             </a:fld>
             <a:endParaRPr lang="en-US"/>
           </a:p>
@@ -665,7 +665,7 @@
           <a:p>
             <a:fld id="{A995DD06-FA5B-3C4A-9EC2-FFA80E37B40D}" type="datetimeFigureOut">
               <a:rPr lang="en-US" smtClean="0"/>
-              <a:t>4/1/19</a:t>
+              <a:t>4/14/19</a:t>
             </a:fld>
             <a:endParaRPr lang="en-US"/>
           </a:p>
@@ -863,7 +863,7 @@
           <a:p>
             <a:fld id="{A995DD06-FA5B-3C4A-9EC2-FFA80E37B40D}" type="datetimeFigureOut">
               <a:rPr lang="en-US" smtClean="0"/>
-              <a:t>4/1/19</a:t>
+              <a:t>4/14/19</a:t>
             </a:fld>
             <a:endParaRPr lang="en-US"/>
           </a:p>
@@ -1138,7 +1138,7 @@
           <a:p>
             <a:fld id="{A995DD06-FA5B-3C4A-9EC2-FFA80E37B40D}" type="datetimeFigureOut">
               <a:rPr lang="en-US" smtClean="0"/>
-              <a:t>4/1/19</a:t>
+              <a:t>4/14/19</a:t>
             </a:fld>
             <a:endParaRPr lang="en-US"/>
           </a:p>
@@ -1403,7 +1403,7 @@
           <a:p>
             <a:fld id="{A995DD06-FA5B-3C4A-9EC2-FFA80E37B40D}" type="datetimeFigureOut">
               <a:rPr lang="en-US" smtClean="0"/>
-              <a:t>4/1/19</a:t>
+              <a:t>4/14/19</a:t>
             </a:fld>
             <a:endParaRPr lang="en-US"/>
           </a:p>
@@ -1815,7 +1815,7 @@
           <a:p>
             <a:fld id="{A995DD06-FA5B-3C4A-9EC2-FFA80E37B40D}" type="datetimeFigureOut">
               <a:rPr lang="en-US" smtClean="0"/>
-              <a:t>4/1/19</a:t>
+              <a:t>4/14/19</a:t>
             </a:fld>
             <a:endParaRPr lang="en-US"/>
           </a:p>
@@ -1956,7 +1956,7 @@
           <a:p>
             <a:fld id="{A995DD06-FA5B-3C4A-9EC2-FFA80E37B40D}" type="datetimeFigureOut">
               <a:rPr lang="en-US" smtClean="0"/>
-              <a:t>4/1/19</a:t>
+              <a:t>4/14/19</a:t>
             </a:fld>
             <a:endParaRPr lang="en-US"/>
           </a:p>
@@ -2069,7 +2069,7 @@
           <a:p>
             <a:fld id="{A995DD06-FA5B-3C4A-9EC2-FFA80E37B40D}" type="datetimeFigureOut">
               <a:rPr lang="en-US" smtClean="0"/>
-              <a:t>4/1/19</a:t>
+              <a:t>4/14/19</a:t>
             </a:fld>
             <a:endParaRPr lang="en-US"/>
           </a:p>
@@ -2380,7 +2380,7 @@
           <a:p>
             <a:fld id="{A995DD06-FA5B-3C4A-9EC2-FFA80E37B40D}" type="datetimeFigureOut">
               <a:rPr lang="en-US" smtClean="0"/>
-              <a:t>4/1/19</a:t>
+              <a:t>4/14/19</a:t>
             </a:fld>
             <a:endParaRPr lang="en-US"/>
           </a:p>
@@ -2668,7 +2668,7 @@
           <a:p>
             <a:fld id="{A995DD06-FA5B-3C4A-9EC2-FFA80E37B40D}" type="datetimeFigureOut">
               <a:rPr lang="en-US" smtClean="0"/>
-              <a:t>4/1/19</a:t>
+              <a:t>4/14/19</a:t>
             </a:fld>
             <a:endParaRPr lang="en-US"/>
           </a:p>
@@ -2909,7 +2909,7 @@
           <a:p>
             <a:fld id="{A995DD06-FA5B-3C4A-9EC2-FFA80E37B40D}" type="datetimeFigureOut">
               <a:rPr lang="en-US" smtClean="0"/>
-              <a:t>4/1/19</a:t>
+              <a:t>4/14/19</a:t>
             </a:fld>
             <a:endParaRPr lang="en-US"/>
           </a:p>
@@ -3328,6 +3328,73 @@
       </p:grpSpPr>
       <p:sp>
         <p:nvSpPr>
+          <p:cNvPr id="85" name="Rectangle 65">
+            <a:extLst>
+              <a:ext uri="{FF2B5EF4-FFF2-40B4-BE49-F238E27FC236}">
+                <a16:creationId xmlns:a16="http://schemas.microsoft.com/office/drawing/2014/main" id="{CB4FB92C-0FE2-A845-9694-F42C9C9BC846}"/>
+              </a:ext>
+            </a:extLst>
+          </p:cNvPr>
+          <p:cNvSpPr/>
+          <p:nvPr/>
+        </p:nvSpPr>
+        <p:spPr>
+          <a:xfrm>
+            <a:off x="8943973" y="846657"/>
+            <a:ext cx="2773740" cy="5247181"/>
+          </a:xfrm>
+          <a:prstGeom prst="roundRect">
+            <a:avLst>
+              <a:gd name="adj" fmla="val 3484"/>
+            </a:avLst>
+          </a:prstGeom>
+          <a:solidFill>
+            <a:schemeClr val="accent6">
+              <a:lumMod val="20000"/>
+              <a:lumOff val="80000"/>
+            </a:schemeClr>
+          </a:solidFill>
+          <a:ln w="19050">
+            <a:noFill/>
+          </a:ln>
+          <a:effectLst/>
+        </p:spPr>
+        <p:style>
+          <a:lnRef idx="1">
+            <a:schemeClr val="accent2"/>
+          </a:lnRef>
+          <a:fillRef idx="2">
+            <a:schemeClr val="accent2"/>
+          </a:fillRef>
+          <a:effectRef idx="1">
+            <a:schemeClr val="accent2"/>
+          </a:effectRef>
+          <a:fontRef idx="minor">
+            <a:schemeClr val="dk1"/>
+          </a:fontRef>
+        </p:style>
+        <p:txBody>
+          <a:bodyPr rtlCol="0" anchor="t"/>
+          <a:lstStyle/>
+          <a:p>
+            <a:r>
+              <a:rPr lang="en-US" sz="1200" b="1" dirty="0">
+                <a:solidFill>
+                  <a:schemeClr val="tx1"/>
+                </a:solidFill>
+              </a:rPr>
+              <a:t>UI</a:t>
+            </a:r>
+            <a:endParaRPr lang="en-SG" sz="1200" b="1" dirty="0">
+              <a:solidFill>
+                <a:schemeClr val="tx1"/>
+              </a:solidFill>
+            </a:endParaRPr>
+          </a:p>
+        </p:txBody>
+      </p:sp>
+      <p:sp>
+        <p:nvSpPr>
           <p:cNvPr id="56" name="Rectangle 65"/>
           <p:cNvSpPr/>
           <p:nvPr/>
@@ -3335,7 +3402,7 @@
         <p:spPr>
           <a:xfrm>
             <a:off x="7252886" y="846657"/>
-            <a:ext cx="3465272" cy="5247181"/>
+            <a:ext cx="1694540" cy="5247181"/>
           </a:xfrm>
           <a:prstGeom prst="roundRect">
             <a:avLst>
@@ -3372,16 +3439,16 @@
           <a:lstStyle/>
           <a:p>
             <a:r>
-              <a:rPr lang="en-US" sz="1200" b="1" dirty="0" err="1">
+              <a:rPr lang="en-US" sz="1200" b="1" dirty="0">
                 <a:solidFill>
-                  <a:srgbClr val="7030A0"/>
+                  <a:schemeClr val="tx1"/>
                 </a:solidFill>
               </a:rPr>
-              <a:t>CurrentEdit</a:t>
+              <a:t>Model</a:t>
             </a:r>
             <a:endParaRPr lang="en-SG" sz="1200" b="1" dirty="0">
               <a:solidFill>
-                <a:srgbClr val="7030A0"/>
+                <a:schemeClr val="tx1"/>
               </a:solidFill>
             </a:endParaRPr>
           </a:p>
@@ -3435,14 +3502,14 @@
             <a:r>
               <a:rPr lang="en-US" sz="1200" b="1" dirty="0">
                 <a:solidFill>
-                  <a:srgbClr val="0070C0"/>
+                  <a:schemeClr val="tx1"/>
                 </a:solidFill>
               </a:rPr>
               <a:t>Logic</a:t>
             </a:r>
             <a:endParaRPr lang="en-SG" sz="1200" b="1" dirty="0">
               <a:solidFill>
-                <a:srgbClr val="0070C0"/>
+                <a:schemeClr val="tx1"/>
               </a:solidFill>
             </a:endParaRPr>
           </a:p>
@@ -4194,7 +4261,7 @@
         </p:nvSpPr>
         <p:spPr>
           <a:xfrm>
-            <a:off x="6359419" y="2769650"/>
+            <a:off x="6392215" y="3141169"/>
             <a:ext cx="1423782" cy="184666"/>
           </a:xfrm>
           <a:prstGeom prst="rect">
@@ -4222,9 +4289,7 @@
             <a:r>
               <a:rPr lang="en-US" sz="1200" dirty="0" err="1">
                 <a:solidFill>
-                  <a:schemeClr val="accent4">
-                    <a:lumMod val="75000"/>
-                  </a:schemeClr>
+                  <a:schemeClr val="accent1"/>
                 </a:solidFill>
               </a:rPr>
               <a:t>getTempImage</a:t>
@@ -4232,12 +4297,11 @@
             <a:r>
               <a:rPr lang="en-US" sz="1200" dirty="0">
                 <a:solidFill>
-                  <a:srgbClr val="7030A0"/>
+                  <a:schemeClr val="accent1"/>
                 </a:solidFill>
               </a:rPr>
               <a:t>()</a:t>
             </a:r>
-            <a:endParaRPr lang="en-US" sz="1200" dirty="0"/>
           </a:p>
         </p:txBody>
       </p:sp>
@@ -4249,8 +4313,8 @@
         </p:nvSpPr>
         <p:spPr>
           <a:xfrm>
-            <a:off x="2697095" y="1490428"/>
-            <a:ext cx="2079761" cy="215444"/>
+            <a:off x="2695546" y="1563154"/>
+            <a:ext cx="2177826" cy="200055"/>
           </a:xfrm>
           <a:prstGeom prst="rect">
             <a:avLst/>
@@ -4274,12 +4338,13 @@
             </a:lvl1pPr>
           </a:lstStyle>
           <a:p>
-            <a:r>
-              <a:rPr lang="en-US" dirty="0" err="1"/>
+            <a:pPr algn="ctr"/>
+            <a:r>
+              <a:rPr lang="en-US" sz="1300" dirty="0" err="1"/>
               <a:t>parseCommand</a:t>
             </a:r>
             <a:r>
-              <a:rPr lang="en-US" dirty="0"/>
+              <a:rPr lang="en-US" sz="1300" dirty="0"/>
               <a:t>(“contrast”)</a:t>
             </a:r>
           </a:p>
@@ -4293,8 +4358,8 @@
         </p:nvSpPr>
         <p:spPr>
           <a:xfrm>
-            <a:off x="4218864" y="5111032"/>
-            <a:ext cx="621216" cy="215444"/>
+            <a:off x="3447038" y="5104109"/>
+            <a:ext cx="1618447" cy="215444"/>
           </a:xfrm>
           <a:prstGeom prst="rect">
             <a:avLst/>
@@ -4318,10 +4383,12 @@
             </a:lvl1pPr>
           </a:lstStyle>
           <a:p>
-            <a:r>
-              <a:rPr lang="en-US" dirty="0"/>
-              <a:t>result</a:t>
-            </a:r>
+            <a:pPr algn="ctr"/>
+            <a:r>
+              <a:rPr lang="en-US" dirty="0" err="1"/>
+              <a:t>CommandResult</a:t>
+            </a:r>
+            <a:endParaRPr lang="en-US" dirty="0"/>
           </a:p>
         </p:txBody>
       </p:sp>
@@ -4333,8 +4400,8 @@
         </p:nvSpPr>
         <p:spPr>
           <a:xfrm>
-            <a:off x="1591379" y="5309977"/>
-            <a:ext cx="762000" cy="215444"/>
+            <a:off x="1042172" y="5251756"/>
+            <a:ext cx="1437667" cy="215444"/>
           </a:xfrm>
           <a:prstGeom prst="rect">
             <a:avLst/>
@@ -4359,9 +4426,10 @@
           </a:lstStyle>
           <a:p>
             <a:r>
-              <a:rPr lang="en-US" dirty="0"/>
-              <a:t>result</a:t>
-            </a:r>
+              <a:rPr lang="en-US" dirty="0" err="1"/>
+              <a:t>CommandResult</a:t>
+            </a:r>
+            <a:endParaRPr lang="en-US" dirty="0"/>
           </a:p>
         </p:txBody>
       </p:sp>
@@ -4373,19 +4441,19 @@
         </p:nvSpPr>
         <p:spPr>
           <a:xfrm>
-            <a:off x="8992531" y="3272520"/>
+            <a:off x="10084995" y="3241878"/>
             <a:ext cx="1294659" cy="244173"/>
           </a:xfrm>
           <a:prstGeom prst="rect">
             <a:avLst/>
           </a:prstGeom>
           <a:solidFill>
-            <a:srgbClr val="7030A0"/>
+            <a:schemeClr val="accent6">
+              <a:lumMod val="75000"/>
+            </a:schemeClr>
           </a:solidFill>
           <a:ln w="19050">
-            <a:solidFill>
-              <a:srgbClr val="7030A0"/>
-            </a:solidFill>
+            <a:noFill/>
           </a:ln>
           <a:effectLst/>
         </p:spPr>
@@ -4432,8 +4500,8 @@
         </p:nvSpPr>
         <p:spPr>
           <a:xfrm>
-            <a:off x="3037801" y="2315585"/>
-            <a:ext cx="1365403" cy="215444"/>
+            <a:off x="2910896" y="2282450"/>
+            <a:ext cx="1578789" cy="200055"/>
           </a:xfrm>
           <a:prstGeom prst="rect">
             <a:avLst/>
@@ -4459,10 +4527,10 @@
           <a:p>
             <a:pPr algn="ctr"/>
             <a:r>
-              <a:rPr lang="en-US" dirty="0" err="1"/>
+              <a:rPr lang="en-US" sz="1300" dirty="0" err="1"/>
               <a:t>ContrastCommand</a:t>
             </a:r>
-            <a:endParaRPr lang="en-US" dirty="0"/>
+            <a:endParaRPr lang="en-US" sz="1300" dirty="0"/>
           </a:p>
         </p:txBody>
       </p:sp>
@@ -4580,7 +4648,7 @@
         </p:nvSpPr>
         <p:spPr>
           <a:xfrm>
-            <a:off x="7981081" y="2959047"/>
+            <a:off x="7925284" y="3340688"/>
             <a:ext cx="209110" cy="253481"/>
           </a:xfrm>
           <a:prstGeom prst="rect">
@@ -4629,7 +4697,7 @@
         </p:nvCxnSpPr>
         <p:spPr>
           <a:xfrm>
-            <a:off x="6656872" y="2964804"/>
+            <a:off x="6588300" y="3353948"/>
             <a:ext cx="1357607" cy="0"/>
           </a:xfrm>
           <a:prstGeom prst="straightConnector1">
@@ -4739,7 +4807,7 @@
                   <a:schemeClr val="bg1"/>
                 </a:solidFill>
               </a:rPr>
-              <a:t>contrast: Contrast</a:t>
+              <a:t>: Contrast</a:t>
             </a:r>
             <a:br>
               <a:rPr lang="en-US" sz="1200" dirty="0">
@@ -4914,7 +4982,7 @@
         </p:nvCxnSpPr>
         <p:spPr>
           <a:xfrm>
-            <a:off x="9663612" y="3516693"/>
+            <a:off x="10732325" y="3486051"/>
             <a:ext cx="0" cy="1985603"/>
           </a:xfrm>
           <a:prstGeom prst="line">
@@ -4922,7 +4990,9 @@
           </a:prstGeom>
           <a:ln w="19050">
             <a:solidFill>
-              <a:srgbClr val="7030A0"/>
+              <a:schemeClr val="accent6">
+                <a:lumMod val="75000"/>
+              </a:schemeClr>
             </a:solidFill>
             <a:prstDash val="sysDash"/>
           </a:ln>
@@ -4959,7 +5029,7 @@
         </p:nvCxnSpPr>
         <p:spPr>
           <a:xfrm flipV="1">
-            <a:off x="6645296" y="3213901"/>
+            <a:off x="6622606" y="3595721"/>
             <a:ext cx="1440340" cy="6887"/>
           </a:xfrm>
           <a:prstGeom prst="straightConnector1">
@@ -5005,7 +5075,7 @@
         </p:nvCxnSpPr>
         <p:spPr>
           <a:xfrm>
-            <a:off x="6620608" y="4954185"/>
+            <a:off x="6602549" y="4987172"/>
             <a:ext cx="1357607" cy="0"/>
           </a:xfrm>
           <a:prstGeom prst="straightConnector1">
@@ -5047,8 +5117,8 @@
         </p:nvSpPr>
         <p:spPr>
           <a:xfrm>
-            <a:off x="6622912" y="4739211"/>
-            <a:ext cx="1346355" cy="184666"/>
+            <a:off x="6590187" y="4792166"/>
+            <a:ext cx="1462724" cy="184666"/>
           </a:xfrm>
           <a:prstGeom prst="rect">
             <a:avLst/>
@@ -5076,9 +5146,7 @@
             <a:r>
               <a:rPr lang="en-US" sz="1200" dirty="0" err="1">
                 <a:solidFill>
-                  <a:schemeClr val="accent4">
-                    <a:lumMod val="75000"/>
-                  </a:schemeClr>
+                  <a:schemeClr val="accent1"/>
                 </a:solidFill>
               </a:rPr>
               <a:t>displayTempImage</a:t>
@@ -5086,12 +5154,11 @@
             <a:r>
               <a:rPr lang="en-US" sz="1200" dirty="0">
                 <a:solidFill>
-                  <a:srgbClr val="7030A0"/>
+                  <a:schemeClr val="accent1"/>
                 </a:solidFill>
               </a:rPr>
               <a:t>()</a:t>
             </a:r>
-            <a:endParaRPr lang="en-US" sz="1200" dirty="0"/>
           </a:p>
         </p:txBody>
       </p:sp>
@@ -5111,7 +5178,7 @@
         </p:nvCxnSpPr>
         <p:spPr>
           <a:xfrm>
-            <a:off x="6632807" y="5184516"/>
+            <a:off x="6631678" y="5229386"/>
             <a:ext cx="1433860" cy="0"/>
           </a:xfrm>
           <a:prstGeom prst="straightConnector1">
@@ -5155,7 +5222,7 @@
         </p:nvSpPr>
         <p:spPr>
           <a:xfrm>
-            <a:off x="8244175" y="4210587"/>
+            <a:off x="9097893" y="4244906"/>
             <a:ext cx="1243907" cy="738664"/>
           </a:xfrm>
           <a:prstGeom prst="rect">
@@ -5187,9 +5254,7 @@
             <a:r>
               <a:rPr lang="en-US" sz="1200" dirty="0">
                 <a:solidFill>
-                  <a:schemeClr val="accent4">
-                    <a:lumMod val="75000"/>
-                  </a:schemeClr>
+                  <a:srgbClr val="7030A0"/>
                 </a:solidFill>
               </a:rPr>
               <a:t>&lt;&lt;static&gt;&gt;</a:t>
@@ -5200,9 +5265,7 @@
             <a:r>
               <a:rPr lang="en-US" sz="1200" dirty="0" err="1">
                 <a:solidFill>
-                  <a:schemeClr val="accent4">
-                    <a:lumMod val="75000"/>
-                  </a:schemeClr>
+                  <a:srgbClr val="7030A0"/>
                 </a:solidFill>
               </a:rPr>
               <a:t>firePropertyChangeListener</a:t>
@@ -5210,9 +5273,7 @@
             <a:r>
               <a:rPr lang="en-US" sz="1200" dirty="0">
                 <a:solidFill>
-                  <a:schemeClr val="accent4">
-                    <a:lumMod val="75000"/>
-                  </a:schemeClr>
+                  <a:srgbClr val="7030A0"/>
                 </a:solidFill>
               </a:rPr>
               <a:t>(String, Object, Object)</a:t>
@@ -5235,9 +5296,9 @@
           <p:nvPr/>
         </p:nvCxnSpPr>
         <p:spPr>
-          <a:xfrm>
-            <a:off x="8150922" y="4975293"/>
-            <a:ext cx="1470216" cy="0"/>
+          <a:xfrm flipV="1">
+            <a:off x="8181482" y="4976832"/>
+            <a:ext cx="2409623" cy="10340"/>
           </a:xfrm>
           <a:prstGeom prst="straightConnector1">
             <a:avLst/>
@@ -5280,15 +5341,17 @@
         </p:nvCxnSpPr>
         <p:spPr>
           <a:xfrm flipV="1">
-            <a:off x="8127649" y="5129815"/>
-            <a:ext cx="1470216" cy="6325"/>
+            <a:off x="8174072" y="5194618"/>
+            <a:ext cx="2513153" cy="1"/>
           </a:xfrm>
           <a:prstGeom prst="straightConnector1">
             <a:avLst/>
           </a:prstGeom>
           <a:ln w="19050">
             <a:solidFill>
-              <a:srgbClr val="7030A0"/>
+              <a:schemeClr val="accent6">
+                <a:lumMod val="75000"/>
+              </a:schemeClr>
             </a:solidFill>
             <a:prstDash val="sysDash"/>
             <a:headEnd type="arrow" w="med" len="med"/>
@@ -5326,7 +5389,7 @@
         </p:nvCxnSpPr>
         <p:spPr>
           <a:xfrm>
-            <a:off x="6670934" y="3505644"/>
+            <a:off x="6591414" y="3869999"/>
             <a:ext cx="1357607" cy="0"/>
           </a:xfrm>
           <a:prstGeom prst="straightConnector1">
@@ -5368,8 +5431,8 @@
         </p:nvSpPr>
         <p:spPr>
           <a:xfrm>
-            <a:off x="6693761" y="3277992"/>
-            <a:ext cx="1346355" cy="184666"/>
+            <a:off x="6510106" y="3658834"/>
+            <a:ext cx="1646341" cy="184666"/>
           </a:xfrm>
           <a:prstGeom prst="rect">
             <a:avLst/>
@@ -5397,9 +5460,7 @@
             <a:r>
               <a:rPr lang="en-US" sz="1200" dirty="0" err="1">
                 <a:solidFill>
-                  <a:schemeClr val="accent4">
-                    <a:lumMod val="75000"/>
-                  </a:schemeClr>
+                  <a:schemeClr val="accent1"/>
                 </a:solidFill>
               </a:rPr>
               <a:t>updateTempImage</a:t>
@@ -5407,12 +5468,11 @@
             <a:r>
               <a:rPr lang="en-US" sz="1200" dirty="0">
                 <a:solidFill>
-                  <a:srgbClr val="7030A0"/>
+                  <a:schemeClr val="accent1"/>
                 </a:solidFill>
               </a:rPr>
               <a:t>()</a:t>
             </a:r>
-            <a:endParaRPr lang="en-US" sz="1200" dirty="0"/>
           </a:p>
         </p:txBody>
       </p:sp>
@@ -5432,7 +5492,7 @@
         </p:nvCxnSpPr>
         <p:spPr>
           <a:xfrm>
-            <a:off x="6656872" y="3746447"/>
+            <a:off x="6631678" y="4126585"/>
             <a:ext cx="1433860" cy="0"/>
           </a:xfrm>
           <a:prstGeom prst="straightConnector1">
@@ -5476,7 +5536,7 @@
         </p:nvSpPr>
         <p:spPr>
           <a:xfrm>
-            <a:off x="7957969" y="3492966"/>
+            <a:off x="7933177" y="3862163"/>
             <a:ext cx="209110" cy="253481"/>
           </a:xfrm>
           <a:prstGeom prst="rect">
@@ -5529,7 +5589,7 @@
         </p:nvSpPr>
         <p:spPr>
           <a:xfrm>
-            <a:off x="7964962" y="4942610"/>
+            <a:off x="7964962" y="4965844"/>
             <a:ext cx="209110" cy="253481"/>
           </a:xfrm>
           <a:prstGeom prst="rect">
@@ -5582,7 +5642,7 @@
         </p:nvSpPr>
         <p:spPr>
           <a:xfrm>
-            <a:off x="7972372" y="4397874"/>
+            <a:off x="7949021" y="4478853"/>
             <a:ext cx="209110" cy="253481"/>
           </a:xfrm>
           <a:prstGeom prst="rect">
@@ -5635,7 +5695,7 @@
         </p:nvSpPr>
         <p:spPr>
           <a:xfrm>
-            <a:off x="6704570" y="4194475"/>
+            <a:off x="6683769" y="4298502"/>
             <a:ext cx="1346355" cy="184666"/>
           </a:xfrm>
           <a:prstGeom prst="rect">
@@ -5664,9 +5724,7 @@
             <a:r>
               <a:rPr lang="en-US" sz="1200" dirty="0" err="1">
                 <a:solidFill>
-                  <a:schemeClr val="accent4">
-                    <a:lumMod val="75000"/>
-                  </a:schemeClr>
+                  <a:schemeClr val="accent1"/>
                 </a:solidFill>
               </a:rPr>
               <a:t>addCommand</a:t>
@@ -5674,12 +5732,11 @@
             <a:r>
               <a:rPr lang="en-US" sz="1200" dirty="0">
                 <a:solidFill>
-                  <a:srgbClr val="7030A0"/>
+                  <a:schemeClr val="accent1"/>
                 </a:solidFill>
               </a:rPr>
               <a:t>()</a:t>
             </a:r>
-            <a:endParaRPr lang="en-US" sz="1200" dirty="0"/>
           </a:p>
         </p:txBody>
       </p:sp>
@@ -5699,7 +5756,7 @@
         </p:nvCxnSpPr>
         <p:spPr>
           <a:xfrm>
-            <a:off x="6645296" y="4434749"/>
+            <a:off x="6623025" y="4522714"/>
             <a:ext cx="1357607" cy="0"/>
           </a:xfrm>
           <a:prstGeom prst="straightConnector1">
@@ -5743,7 +5800,7 @@
         </p:nvCxnSpPr>
         <p:spPr>
           <a:xfrm>
-            <a:off x="6635411" y="4659615"/>
+            <a:off x="6631678" y="4750997"/>
             <a:ext cx="1433860" cy="0"/>
           </a:xfrm>
           <a:prstGeom prst="straightConnector1">
@@ -5787,8 +5844,8 @@
         </p:nvSpPr>
         <p:spPr>
           <a:xfrm>
-            <a:off x="5150613" y="3987249"/>
-            <a:ext cx="4734168" cy="1359077"/>
+            <a:off x="5150613" y="4250902"/>
+            <a:ext cx="5581712" cy="1095424"/>
           </a:xfrm>
           <a:prstGeom prst="rect">
             <a:avLst/>
@@ -5834,7 +5891,7 @@
         </p:nvSpPr>
         <p:spPr>
           <a:xfrm>
-            <a:off x="5172679" y="4004821"/>
+            <a:off x="5176070" y="4273956"/>
             <a:ext cx="418234" cy="261610"/>
           </a:xfrm>
           <a:prstGeom prst="rect">
@@ -5875,8 +5932,8 @@
         </p:nvSpPr>
         <p:spPr>
           <a:xfrm>
-            <a:off x="5149703" y="4359329"/>
-            <a:ext cx="1365403" cy="184666"/>
+            <a:off x="4772599" y="4568223"/>
+            <a:ext cx="1974401" cy="153888"/>
           </a:xfrm>
           <a:prstGeom prst="rect">
             <a:avLst/>
@@ -5902,13 +5959,311 @@
           <a:p>
             <a:pPr algn="ctr"/>
             <a:r>
-              <a:rPr lang="en-US" sz="1200" dirty="0">
+              <a:rPr lang="en-US" sz="1000" dirty="0">
                 <a:solidFill>
                   <a:schemeClr val="tx1"/>
                 </a:solidFill>
               </a:rPr>
               <a:t>[is a new command]</a:t>
             </a:r>
+          </a:p>
+        </p:txBody>
+      </p:sp>
+      <p:sp>
+        <p:nvSpPr>
+          <p:cNvPr id="57" name="Rectangle 56">
+            <a:extLst>
+              <a:ext uri="{FF2B5EF4-FFF2-40B4-BE49-F238E27FC236}">
+                <a16:creationId xmlns:a16="http://schemas.microsoft.com/office/drawing/2014/main" id="{73C014C2-AF54-594C-87D0-A355709B83E3}"/>
+              </a:ext>
+            </a:extLst>
+          </p:cNvPr>
+          <p:cNvSpPr/>
+          <p:nvPr/>
+        </p:nvSpPr>
+        <p:spPr>
+          <a:xfrm>
+            <a:off x="7943886" y="2856477"/>
+            <a:ext cx="209110" cy="253481"/>
+          </a:xfrm>
+          <a:prstGeom prst="rect">
+            <a:avLst/>
+          </a:prstGeom>
+          <a:solidFill>
+            <a:srgbClr val="7030A0"/>
+          </a:solidFill>
+          <a:ln>
+            <a:solidFill>
+              <a:srgbClr val="7030A0"/>
+            </a:solidFill>
+          </a:ln>
+          <a:effectLst/>
+        </p:spPr>
+        <p:style>
+          <a:lnRef idx="1">
+            <a:schemeClr val="accent3"/>
+          </a:lnRef>
+          <a:fillRef idx="2">
+            <a:schemeClr val="accent3"/>
+          </a:fillRef>
+          <a:effectRef idx="1">
+            <a:schemeClr val="accent3"/>
+          </a:effectRef>
+          <a:fontRef idx="minor">
+            <a:schemeClr val="dk1"/>
+          </a:fontRef>
+        </p:style>
+        <p:txBody>
+          <a:bodyPr rtlCol="0" anchor="ctr"/>
+          <a:lstStyle/>
+          <a:p>
+            <a:pPr algn="ctr"/>
+            <a:endParaRPr lang="en-SG" sz="1400"/>
+          </a:p>
+        </p:txBody>
+      </p:sp>
+      <p:cxnSp>
+        <p:nvCxnSpPr>
+          <p:cNvPr id="75" name="Straight Arrow Connector 74">
+            <a:extLst>
+              <a:ext uri="{FF2B5EF4-FFF2-40B4-BE49-F238E27FC236}">
+                <a16:creationId xmlns:a16="http://schemas.microsoft.com/office/drawing/2014/main" id="{74D843FF-9DB2-0743-A0B7-F756A83E09B4}"/>
+              </a:ext>
+            </a:extLst>
+          </p:cNvPr>
+          <p:cNvCxnSpPr>
+            <a:cxnSpLocks/>
+          </p:cNvCxnSpPr>
+          <p:nvPr/>
+        </p:nvCxnSpPr>
+        <p:spPr>
+          <a:xfrm>
+            <a:off x="6588300" y="2885678"/>
+            <a:ext cx="1357607" cy="0"/>
+          </a:xfrm>
+          <a:prstGeom prst="straightConnector1">
+            <a:avLst/>
+          </a:prstGeom>
+          <a:ln w="19050">
+            <a:solidFill>
+              <a:srgbClr val="0070C0"/>
+            </a:solidFill>
+            <a:tailEnd type="arrow"/>
+          </a:ln>
+        </p:spPr>
+        <p:style>
+          <a:lnRef idx="1">
+            <a:schemeClr val="accent1"/>
+          </a:lnRef>
+          <a:fillRef idx="0">
+            <a:schemeClr val="accent1"/>
+          </a:fillRef>
+          <a:effectRef idx="0">
+            <a:schemeClr val="accent1"/>
+          </a:effectRef>
+          <a:fontRef idx="minor">
+            <a:schemeClr val="tx1"/>
+          </a:fontRef>
+        </p:style>
+      </p:cxnSp>
+      <p:cxnSp>
+        <p:nvCxnSpPr>
+          <p:cNvPr id="76" name="Straight Arrow Connector 75">
+            <a:extLst>
+              <a:ext uri="{FF2B5EF4-FFF2-40B4-BE49-F238E27FC236}">
+                <a16:creationId xmlns:a16="http://schemas.microsoft.com/office/drawing/2014/main" id="{90C8C8EC-D098-1845-91B4-002E1CC5146A}"/>
+              </a:ext>
+            </a:extLst>
+          </p:cNvPr>
+          <p:cNvCxnSpPr>
+            <a:cxnSpLocks/>
+          </p:cNvCxnSpPr>
+          <p:nvPr/>
+        </p:nvCxnSpPr>
+        <p:spPr>
+          <a:xfrm flipV="1">
+            <a:off x="6623550" y="3111226"/>
+            <a:ext cx="1440340" cy="6887"/>
+          </a:xfrm>
+          <a:prstGeom prst="straightConnector1">
+            <a:avLst/>
+          </a:prstGeom>
+          <a:ln w="19050">
+            <a:solidFill>
+              <a:srgbClr val="7030A0"/>
+            </a:solidFill>
+            <a:prstDash val="sysDash"/>
+            <a:headEnd type="arrow" w="med" len="med"/>
+            <a:tailEnd type="none" w="med" len="med"/>
+          </a:ln>
+        </p:spPr>
+        <p:style>
+          <a:lnRef idx="1">
+            <a:schemeClr val="accent1"/>
+          </a:lnRef>
+          <a:fillRef idx="0">
+            <a:schemeClr val="accent1"/>
+          </a:fillRef>
+          <a:effectRef idx="0">
+            <a:schemeClr val="accent1"/>
+          </a:effectRef>
+          <a:fontRef idx="minor">
+            <a:schemeClr val="tx1"/>
+          </a:fontRef>
+        </p:style>
+      </p:cxnSp>
+      <p:sp>
+        <p:nvSpPr>
+          <p:cNvPr id="77" name="TextBox 76">
+            <a:extLst>
+              <a:ext uri="{FF2B5EF4-FFF2-40B4-BE49-F238E27FC236}">
+                <a16:creationId xmlns:a16="http://schemas.microsoft.com/office/drawing/2014/main" id="{9603878E-6C1B-174D-BCAA-7F1194E30097}"/>
+              </a:ext>
+            </a:extLst>
+          </p:cNvPr>
+          <p:cNvSpPr txBox="1"/>
+          <p:nvPr/>
+        </p:nvSpPr>
+        <p:spPr>
+          <a:xfrm>
+            <a:off x="6392215" y="2657054"/>
+            <a:ext cx="1423782" cy="184666"/>
+          </a:xfrm>
+          <a:prstGeom prst="rect">
+            <a:avLst/>
+          </a:prstGeom>
+          <a:noFill/>
+        </p:spPr>
+        <p:txBody>
+          <a:bodyPr wrap="square" lIns="0" tIns="0" rIns="0" bIns="0" rtlCol="0">
+            <a:spAutoFit/>
+          </a:bodyPr>
+          <a:lstStyle>
+            <a:defPPr>
+              <a:defRPr lang="en-US"/>
+            </a:defPPr>
+            <a:lvl1pPr algn="r">
+              <a:defRPr sz="1400">
+                <a:solidFill>
+                  <a:srgbClr val="0070C0"/>
+                </a:solidFill>
+              </a:defRPr>
+            </a:lvl1pPr>
+          </a:lstStyle>
+          <a:p>
+            <a:endParaRPr lang="en-US" sz="1200" dirty="0"/>
+          </a:p>
+        </p:txBody>
+      </p:sp>
+      <p:sp>
+        <p:nvSpPr>
+          <p:cNvPr id="78" name="TextBox 77">
+            <a:extLst>
+              <a:ext uri="{FF2B5EF4-FFF2-40B4-BE49-F238E27FC236}">
+                <a16:creationId xmlns:a16="http://schemas.microsoft.com/office/drawing/2014/main" id="{BFAE24DF-3415-984B-ADDB-1438525423F8}"/>
+              </a:ext>
+            </a:extLst>
+          </p:cNvPr>
+          <p:cNvSpPr txBox="1"/>
+          <p:nvPr/>
+        </p:nvSpPr>
+        <p:spPr>
+          <a:xfrm>
+            <a:off x="6378473" y="2668537"/>
+            <a:ext cx="1852153" cy="169277"/>
+          </a:xfrm>
+          <a:prstGeom prst="rect">
+            <a:avLst/>
+          </a:prstGeom>
+          <a:noFill/>
+        </p:spPr>
+        <p:txBody>
+          <a:bodyPr wrap="square" lIns="0" tIns="0" rIns="0" bIns="0" rtlCol="0">
+            <a:spAutoFit/>
+          </a:bodyPr>
+          <a:lstStyle>
+            <a:defPPr>
+              <a:defRPr lang="en-US"/>
+            </a:defPPr>
+            <a:lvl1pPr algn="r">
+              <a:defRPr sz="1400">
+                <a:solidFill>
+                  <a:srgbClr val="0070C0"/>
+                </a:solidFill>
+              </a:defRPr>
+            </a:lvl1pPr>
+          </a:lstStyle>
+          <a:p>
+            <a:pPr algn="ctr"/>
+            <a:r>
+              <a:rPr lang="en-US" sz="1100" dirty="0" err="1">
+                <a:solidFill>
+                  <a:schemeClr val="accent1"/>
+                </a:solidFill>
+              </a:rPr>
+              <a:t>tempImageDoNotExist</a:t>
+            </a:r>
+            <a:r>
+              <a:rPr lang="en-US" sz="1100" dirty="0">
+                <a:solidFill>
+                  <a:schemeClr val="accent1"/>
+                </a:solidFill>
+              </a:rPr>
+              <a:t>()</a:t>
+            </a:r>
+          </a:p>
+        </p:txBody>
+      </p:sp>
+      <p:sp>
+        <p:nvSpPr>
+          <p:cNvPr id="86" name="Rectangle 85">
+            <a:extLst>
+              <a:ext uri="{FF2B5EF4-FFF2-40B4-BE49-F238E27FC236}">
+                <a16:creationId xmlns:a16="http://schemas.microsoft.com/office/drawing/2014/main" id="{F1682761-1EEC-7849-A654-1F32F671D00E}"/>
+              </a:ext>
+            </a:extLst>
+          </p:cNvPr>
+          <p:cNvSpPr/>
+          <p:nvPr/>
+        </p:nvSpPr>
+        <p:spPr>
+          <a:xfrm>
+            <a:off x="10602980" y="4941137"/>
+            <a:ext cx="209110" cy="253481"/>
+          </a:xfrm>
+          <a:prstGeom prst="rect">
+            <a:avLst/>
+          </a:prstGeom>
+          <a:solidFill>
+            <a:schemeClr val="accent6">
+              <a:lumMod val="75000"/>
+            </a:schemeClr>
+          </a:solidFill>
+          <a:ln>
+            <a:noFill/>
+          </a:ln>
+          <a:effectLst/>
+        </p:spPr>
+        <p:style>
+          <a:lnRef idx="1">
+            <a:schemeClr val="accent3"/>
+          </a:lnRef>
+          <a:fillRef idx="2">
+            <a:schemeClr val="accent3"/>
+          </a:fillRef>
+          <a:effectRef idx="1">
+            <a:schemeClr val="accent3"/>
+          </a:effectRef>
+          <a:fontRef idx="minor">
+            <a:schemeClr val="dk1"/>
+          </a:fontRef>
+        </p:style>
+        <p:txBody>
+          <a:bodyPr rtlCol="0" anchor="ctr"/>
+          <a:lstStyle/>
+          <a:p>
+            <a:pPr algn="ctr"/>
+            <a:endParaRPr lang="en-SG" sz="1400" dirty="0"/>
           </a:p>
         </p:txBody>
       </p:sp>

--- a/docs/diagrams/ContrastCommandDiagram.pptx
+++ b/docs/diagrams/ContrastCommandDiagram.pptx
@@ -3827,7 +3827,6 @@
           <p:cNvCxnSpPr>
             <a:cxnSpLocks/>
             <a:stCxn id="21" idx="0"/>
-            <a:endCxn id="4" idx="0"/>
           </p:cNvCxnSpPr>
           <p:nvPr/>
         </p:nvCxnSpPr>
@@ -4400,7 +4399,7 @@
         </p:nvSpPr>
         <p:spPr>
           <a:xfrm>
-            <a:off x="1042172" y="5251756"/>
+            <a:off x="1159186" y="5267675"/>
             <a:ext cx="1437667" cy="215444"/>
           </a:xfrm>
           <a:prstGeom prst="rect">
@@ -4425,6 +4424,7 @@
             </a:lvl1pPr>
           </a:lstStyle>
           <a:p>
+            <a:pPr algn="ctr"/>
             <a:r>
               <a:rPr lang="en-US" dirty="0" err="1"/>
               <a:t>CommandResult</a:t>
@@ -4725,39 +4725,6 @@
           </a:fontRef>
         </p:style>
       </p:cxnSp>
-      <p:sp>
-        <p:nvSpPr>
-          <p:cNvPr id="4" name="TextBox 3"/>
-          <p:cNvSpPr txBox="1"/>
-          <p:nvPr/>
-        </p:nvSpPr>
-        <p:spPr>
-          <a:xfrm>
-            <a:off x="6418989" y="5478876"/>
-            <a:ext cx="258404" cy="261610"/>
-          </a:xfrm>
-          <a:prstGeom prst="rect">
-            <a:avLst/>
-          </a:prstGeom>
-          <a:noFill/>
-        </p:spPr>
-        <p:txBody>
-          <a:bodyPr wrap="square" rtlCol="0">
-            <a:spAutoFit/>
-          </a:bodyPr>
-          <a:lstStyle/>
-          <a:p>
-            <a:r>
-              <a:rPr lang="en-SG" sz="1100" dirty="0">
-                <a:solidFill>
-                  <a:srgbClr val="002060"/>
-                </a:solidFill>
-              </a:rPr>
-              <a:t>X</a:t>
-            </a:r>
-          </a:p>
-        </p:txBody>
-      </p:sp>
       <p:sp>
         <p:nvSpPr>
           <p:cNvPr id="19" name="Rectangle 62"/>

--- a/docs/diagrams/ContrastCommandDiagram.pptx
+++ b/docs/diagrams/ContrastCommandDiagram.pptx
@@ -259,7 +259,7 @@
           <a:p>
             <a:fld id="{A995DD06-FA5B-3C4A-9EC2-FFA80E37B40D}" type="datetimeFigureOut">
               <a:rPr lang="en-US" smtClean="0"/>
-              <a:t>4/14/19</a:t>
+              <a:t>4/15/19</a:t>
             </a:fld>
             <a:endParaRPr lang="en-US"/>
           </a:p>
@@ -457,7 +457,7 @@
           <a:p>
             <a:fld id="{A995DD06-FA5B-3C4A-9EC2-FFA80E37B40D}" type="datetimeFigureOut">
               <a:rPr lang="en-US" smtClean="0"/>
-              <a:t>4/14/19</a:t>
+              <a:t>4/15/19</a:t>
             </a:fld>
             <a:endParaRPr lang="en-US"/>
           </a:p>
@@ -665,7 +665,7 @@
           <a:p>
             <a:fld id="{A995DD06-FA5B-3C4A-9EC2-FFA80E37B40D}" type="datetimeFigureOut">
               <a:rPr lang="en-US" smtClean="0"/>
-              <a:t>4/14/19</a:t>
+              <a:t>4/15/19</a:t>
             </a:fld>
             <a:endParaRPr lang="en-US"/>
           </a:p>
@@ -863,7 +863,7 @@
           <a:p>
             <a:fld id="{A995DD06-FA5B-3C4A-9EC2-FFA80E37B40D}" type="datetimeFigureOut">
               <a:rPr lang="en-US" smtClean="0"/>
-              <a:t>4/14/19</a:t>
+              <a:t>4/15/19</a:t>
             </a:fld>
             <a:endParaRPr lang="en-US"/>
           </a:p>
@@ -1138,7 +1138,7 @@
           <a:p>
             <a:fld id="{A995DD06-FA5B-3C4A-9EC2-FFA80E37B40D}" type="datetimeFigureOut">
               <a:rPr lang="en-US" smtClean="0"/>
-              <a:t>4/14/19</a:t>
+              <a:t>4/15/19</a:t>
             </a:fld>
             <a:endParaRPr lang="en-US"/>
           </a:p>
@@ -1403,7 +1403,7 @@
           <a:p>
             <a:fld id="{A995DD06-FA5B-3C4A-9EC2-FFA80E37B40D}" type="datetimeFigureOut">
               <a:rPr lang="en-US" smtClean="0"/>
-              <a:t>4/14/19</a:t>
+              <a:t>4/15/19</a:t>
             </a:fld>
             <a:endParaRPr lang="en-US"/>
           </a:p>
@@ -1815,7 +1815,7 @@
           <a:p>
             <a:fld id="{A995DD06-FA5B-3C4A-9EC2-FFA80E37B40D}" type="datetimeFigureOut">
               <a:rPr lang="en-US" smtClean="0"/>
-              <a:t>4/14/19</a:t>
+              <a:t>4/15/19</a:t>
             </a:fld>
             <a:endParaRPr lang="en-US"/>
           </a:p>
@@ -1956,7 +1956,7 @@
           <a:p>
             <a:fld id="{A995DD06-FA5B-3C4A-9EC2-FFA80E37B40D}" type="datetimeFigureOut">
               <a:rPr lang="en-US" smtClean="0"/>
-              <a:t>4/14/19</a:t>
+              <a:t>4/15/19</a:t>
             </a:fld>
             <a:endParaRPr lang="en-US"/>
           </a:p>
@@ -2069,7 +2069,7 @@
           <a:p>
             <a:fld id="{A995DD06-FA5B-3C4A-9EC2-FFA80E37B40D}" type="datetimeFigureOut">
               <a:rPr lang="en-US" smtClean="0"/>
-              <a:t>4/14/19</a:t>
+              <a:t>4/15/19</a:t>
             </a:fld>
             <a:endParaRPr lang="en-US"/>
           </a:p>
@@ -2380,7 +2380,7 @@
           <a:p>
             <a:fld id="{A995DD06-FA5B-3C4A-9EC2-FFA80E37B40D}" type="datetimeFigureOut">
               <a:rPr lang="en-US" smtClean="0"/>
-              <a:t>4/14/19</a:t>
+              <a:t>4/15/19</a:t>
             </a:fld>
             <a:endParaRPr lang="en-US"/>
           </a:p>
@@ -2668,7 +2668,7 @@
           <a:p>
             <a:fld id="{A995DD06-FA5B-3C4A-9EC2-FFA80E37B40D}" type="datetimeFigureOut">
               <a:rPr lang="en-US" smtClean="0"/>
-              <a:t>4/14/19</a:t>
+              <a:t>4/15/19</a:t>
             </a:fld>
             <a:endParaRPr lang="en-US"/>
           </a:p>
@@ -2909,7 +2909,7 @@
           <a:p>
             <a:fld id="{A995DD06-FA5B-3C4A-9EC2-FFA80E37B40D}" type="datetimeFigureOut">
               <a:rPr lang="en-US" smtClean="0"/>
-              <a:t>4/14/19</a:t>
+              <a:t>4/15/19</a:t>
             </a:fld>
             <a:endParaRPr lang="en-US"/>
           </a:p>
@@ -4399,8 +4399,8 @@
         </p:nvSpPr>
         <p:spPr>
           <a:xfrm>
-            <a:off x="1159186" y="5267675"/>
-            <a:ext cx="1437667" cy="215444"/>
+            <a:off x="1156572" y="5288170"/>
+            <a:ext cx="1437667" cy="184666"/>
           </a:xfrm>
           <a:prstGeom prst="rect">
             <a:avLst/>
@@ -4426,10 +4426,10 @@
           <a:p>
             <a:pPr algn="ctr"/>
             <a:r>
-              <a:rPr lang="en-US" dirty="0" err="1"/>
+              <a:rPr lang="en-US" sz="1200" dirty="0" err="1"/>
               <a:t>CommandResult</a:t>
             </a:r>
-            <a:endParaRPr lang="en-US" dirty="0"/>
+            <a:endParaRPr lang="en-US" sz="1200" dirty="0"/>
           </a:p>
         </p:txBody>
       </p:sp>
